--- a/plan/Proposition de plan.pptx
+++ b/plan/Proposition de plan.pptx
@@ -2402,7 +2402,7 @@
           <a:p>
             <a:fld id="{48898339-3EB4-49B2-B23F-A4812D47AEBE}" type="datetimeFigureOut">
               <a:rPr lang="fr-FR" smtClean="0"/>
-              <a:t>14/09/2023</a:t>
+              <a:t>29/09/2023</a:t>
             </a:fld>
             <a:endParaRPr lang="fr-FR"/>
           </a:p>
@@ -8034,6 +8034,9 @@
   <p:clrMapOvr>
     <a:masterClrMapping/>
   </p:clrMapOvr>
+  <p:transition spd="med">
+    <p:pull/>
+  </p:transition>
 </p:sld>
 </file>
 
@@ -8292,6 +8295,9 @@
   <p:clrMapOvr>
     <a:masterClrMapping/>
   </p:clrMapOvr>
+  <p:transition spd="med">
+    <p:pull/>
+  </p:transition>
 </p:sld>
 </file>
 
@@ -8358,6 +8364,9 @@
   <p:clrMapOvr>
     <a:masterClrMapping/>
   </p:clrMapOvr>
+  <p:transition spd="slow">
+    <p:cover/>
+  </p:transition>
 </p:sld>
 </file>
 
@@ -8424,6 +8433,9 @@
   <p:clrMapOvr>
     <a:masterClrMapping/>
   </p:clrMapOvr>
+  <p:transition spd="slow">
+    <p:cover/>
+  </p:transition>
 </p:sld>
 </file>
 
@@ -8490,6 +8502,9 @@
   <p:clrMapOvr>
     <a:masterClrMapping/>
   </p:clrMapOvr>
+  <p:transition spd="slow">
+    <p:cover/>
+  </p:transition>
 </p:sld>
 </file>
 
@@ -8556,6 +8571,18 @@
   <p:clrMapOvr>
     <a:masterClrMapping/>
   </p:clrMapOvr>
+  <mc:AlternateContent xmlns:mc="http://schemas.openxmlformats.org/markup-compatibility/2006">
+    <mc:Choice xmlns:p14="http://schemas.microsoft.com/office/powerpoint/2010/main" Requires="p14">
+      <p:transition spd="slow" p14:dur="1500">
+        <p14:window dir="vert"/>
+      </p:transition>
+    </mc:Choice>
+    <mc:Fallback>
+      <p:transition spd="slow">
+        <p:fade/>
+      </p:transition>
+    </mc:Fallback>
+  </mc:AlternateContent>
 </p:sld>
 </file>
 
@@ -8622,6 +8649,18 @@
   <p:clrMapOvr>
     <a:masterClrMapping/>
   </p:clrMapOvr>
+  <mc:AlternateContent xmlns:mc="http://schemas.openxmlformats.org/markup-compatibility/2006">
+    <mc:Choice xmlns:p14="http://schemas.microsoft.com/office/powerpoint/2010/main" Requires="p14">
+      <p:transition spd="slow" p14:dur="1500">
+        <p14:window dir="vert"/>
+      </p:transition>
+    </mc:Choice>
+    <mc:Fallback>
+      <p:transition spd="slow">
+        <p:fade/>
+      </p:transition>
+    </mc:Fallback>
+  </mc:AlternateContent>
 </p:sld>
 </file>
 
@@ -8688,6 +8727,18 @@
   <p:clrMapOvr>
     <a:masterClrMapping/>
   </p:clrMapOvr>
+  <mc:AlternateContent xmlns:mc="http://schemas.openxmlformats.org/markup-compatibility/2006">
+    <mc:Choice xmlns:p14="http://schemas.microsoft.com/office/powerpoint/2010/main" Requires="p14">
+      <p:transition spd="slow" p14:dur="1500">
+        <p14:window dir="vert"/>
+      </p:transition>
+    </mc:Choice>
+    <mc:Fallback>
+      <p:transition spd="slow">
+        <p:fade/>
+      </p:transition>
+    </mc:Fallback>
+  </mc:AlternateContent>
 </p:sld>
 </file>
 
@@ -8803,6 +8854,18 @@
   <p:clrMapOvr>
     <a:masterClrMapping/>
   </p:clrMapOvr>
+  <mc:AlternateContent xmlns:mc="http://schemas.openxmlformats.org/markup-compatibility/2006">
+    <mc:Choice xmlns:p14="http://schemas.microsoft.com/office/powerpoint/2010/main" Requires="p14">
+      <p:transition spd="slow" p14:dur="1500">
+        <p14:window dir="vert"/>
+      </p:transition>
+    </mc:Choice>
+    <mc:Fallback>
+      <p:transition spd="slow">
+        <p:fade/>
+      </p:transition>
+    </mc:Fallback>
+  </mc:AlternateContent>
 </p:sld>
 </file>
 
@@ -9114,6 +9177,18 @@
   <p:clrMapOvr>
     <a:masterClrMapping/>
   </p:clrMapOvr>
+  <mc:AlternateContent xmlns:mc="http://schemas.openxmlformats.org/markup-compatibility/2006">
+    <mc:Choice xmlns:p14="http://schemas.microsoft.com/office/powerpoint/2010/main" Requires="p14">
+      <p:transition spd="slow" p14:dur="1500">
+        <p14:window dir="vert"/>
+      </p:transition>
+    </mc:Choice>
+    <mc:Fallback>
+      <p:transition spd="slow">
+        <p:fade/>
+      </p:transition>
+    </mc:Fallback>
+  </mc:AlternateContent>
 </p:sld>
 </file>
 
@@ -9819,6 +9894,18 @@
   <p:clrMapOvr>
     <a:masterClrMapping/>
   </p:clrMapOvr>
+  <mc:AlternateContent xmlns:mc="http://schemas.openxmlformats.org/markup-compatibility/2006">
+    <mc:Choice xmlns:p14="http://schemas.microsoft.com/office/powerpoint/2010/main" Requires="p14">
+      <p:transition spd="slow" p14:dur="1400">
+        <p14:doors dir="vert"/>
+      </p:transition>
+    </mc:Choice>
+    <mc:Fallback>
+      <p:transition spd="slow">
+        <p:fade/>
+      </p:transition>
+    </mc:Fallback>
+  </mc:AlternateContent>
 </p:sld>
 </file>
 
@@ -9954,6 +10041,18 @@
   <p:clrMapOvr>
     <a:masterClrMapping/>
   </p:clrMapOvr>
+  <mc:AlternateContent xmlns:mc="http://schemas.openxmlformats.org/markup-compatibility/2006">
+    <mc:Choice xmlns:p14="http://schemas.microsoft.com/office/powerpoint/2010/main" Requires="p14">
+      <p:transition spd="slow" p14:dur="1400">
+        <p14:doors dir="vert"/>
+      </p:transition>
+    </mc:Choice>
+    <mc:Fallback>
+      <p:transition spd="slow">
+        <p:fade/>
+      </p:transition>
+    </mc:Fallback>
+  </mc:AlternateContent>
 </p:sld>
 </file>
 
@@ -10089,6 +10188,18 @@
   <p:clrMapOvr>
     <a:masterClrMapping/>
   </p:clrMapOvr>
+  <mc:AlternateContent xmlns:mc="http://schemas.openxmlformats.org/markup-compatibility/2006">
+    <mc:Choice xmlns:p14="http://schemas.microsoft.com/office/powerpoint/2010/main" Requires="p14">
+      <p:transition spd="slow" p14:dur="1400">
+        <p14:doors dir="vert"/>
+      </p:transition>
+    </mc:Choice>
+    <mc:Fallback>
+      <p:transition spd="slow">
+        <p:fade/>
+      </p:transition>
+    </mc:Fallback>
+  </mc:AlternateContent>
 </p:sld>
 </file>
 
@@ -10188,6 +10299,18 @@
   <p:clrMapOvr>
     <a:masterClrMapping/>
   </p:clrMapOvr>
+  <mc:AlternateContent xmlns:mc="http://schemas.openxmlformats.org/markup-compatibility/2006">
+    <mc:Choice xmlns:p14="http://schemas.microsoft.com/office/powerpoint/2010/main" Requires="p14">
+      <p:transition spd="slow" p14:dur="1400">
+        <p14:doors dir="vert"/>
+      </p:transition>
+    </mc:Choice>
+    <mc:Fallback>
+      <p:transition spd="slow">
+        <p:fade/>
+      </p:transition>
+    </mc:Fallback>
+  </mc:AlternateContent>
 </p:sld>
 </file>
 
@@ -10390,55 +10513,6 @@
           </a:p>
         </p:txBody>
       </p:sp>
-      <p:sp>
-        <p:nvSpPr>
-          <p:cNvPr id="10" name="Rectangle 9">
-            <a:extLst>
-              <a:ext uri="{FF2B5EF4-FFF2-40B4-BE49-F238E27FC236}">
-                <a16:creationId xmlns:a16="http://schemas.microsoft.com/office/drawing/2014/main" id="{15157A1D-2124-DB68-A349-28D5ED51D0DB}"/>
-              </a:ext>
-            </a:extLst>
-          </p:cNvPr>
-          <p:cNvSpPr/>
-          <p:nvPr/>
-        </p:nvSpPr>
-        <p:spPr>
-          <a:xfrm>
-            <a:off x="263715" y="1162666"/>
-            <a:ext cx="2940133" cy="1822303"/>
-          </a:xfrm>
-          <a:prstGeom prst="rect">
-            <a:avLst/>
-          </a:prstGeom>
-          <a:solidFill>
-            <a:schemeClr val="bg1"/>
-          </a:solidFill>
-        </p:spPr>
-        <p:style>
-          <a:lnRef idx="2">
-            <a:schemeClr val="accent1">
-              <a:shade val="15000"/>
-            </a:schemeClr>
-          </a:lnRef>
-          <a:fillRef idx="1">
-            <a:schemeClr val="accent1"/>
-          </a:fillRef>
-          <a:effectRef idx="0">
-            <a:schemeClr val="accent1"/>
-          </a:effectRef>
-          <a:fontRef idx="minor">
-            <a:schemeClr val="lt1"/>
-          </a:fontRef>
-        </p:style>
-        <p:txBody>
-          <a:bodyPr rtlCol="0" anchor="ctr"/>
-          <a:lstStyle/>
-          <a:p>
-            <a:pPr algn="ctr"/>
-            <a:endParaRPr lang="en-US"/>
-          </a:p>
-        </p:txBody>
-      </p:sp>
       <p:pic>
         <p:nvPicPr>
           <p:cNvPr id="5" name="Image 4">
@@ -10484,42 +10558,162 @@
           </a:prstGeom>
         </p:spPr>
       </p:pic>
-      <p:pic>
-        <p:nvPicPr>
-          <p:cNvPr id="9" name="Image 8">
+      <p:grpSp>
+        <p:nvGrpSpPr>
+          <p:cNvPr id="8" name="Groupe 7">
             <a:extLst>
               <a:ext uri="{FF2B5EF4-FFF2-40B4-BE49-F238E27FC236}">
-                <a16:creationId xmlns:a16="http://schemas.microsoft.com/office/drawing/2014/main" id="{30A73DA6-0348-60EA-2079-E5C6E8BF2D83}"/>
+                <a16:creationId xmlns:a16="http://schemas.microsoft.com/office/drawing/2014/main" id="{4803D0AC-2B55-61D0-6019-D9A9CDFADA73}"/>
               </a:ext>
             </a:extLst>
           </p:cNvPr>
-          <p:cNvPicPr>
-            <a:picLocks noChangeAspect="1"/>
-          </p:cNvPicPr>
+          <p:cNvGrpSpPr/>
           <p:nvPr/>
-        </p:nvPicPr>
-        <p:blipFill>
-          <a:blip r:embed="rId5">
+        </p:nvGrpSpPr>
+        <p:grpSpPr>
+          <a:xfrm>
+            <a:off x="33449" y="1162666"/>
+            <a:ext cx="3464906" cy="1822303"/>
+            <a:chOff x="33449" y="1162666"/>
+            <a:chExt cx="3464906" cy="1822303"/>
+          </a:xfrm>
+        </p:grpSpPr>
+        <p:sp>
+          <p:nvSpPr>
+            <p:cNvPr id="10" name="Rectangle 9">
+              <a:extLst>
+                <a:ext uri="{FF2B5EF4-FFF2-40B4-BE49-F238E27FC236}">
+                  <a16:creationId xmlns:a16="http://schemas.microsoft.com/office/drawing/2014/main" id="{15157A1D-2124-DB68-A349-28D5ED51D0DB}"/>
+                </a:ext>
+              </a:extLst>
+            </p:cNvPr>
+            <p:cNvSpPr/>
+            <p:nvPr/>
+          </p:nvSpPr>
+          <p:spPr>
+            <a:xfrm>
+              <a:off x="263715" y="1162666"/>
+              <a:ext cx="2940133" cy="1822303"/>
+            </a:xfrm>
+            <a:prstGeom prst="rect">
+              <a:avLst/>
+            </a:prstGeom>
+            <a:solidFill>
+              <a:schemeClr val="bg1"/>
+            </a:solidFill>
+          </p:spPr>
+          <p:style>
+            <a:lnRef idx="2">
+              <a:schemeClr val="accent1">
+                <a:shade val="15000"/>
+              </a:schemeClr>
+            </a:lnRef>
+            <a:fillRef idx="1">
+              <a:schemeClr val="accent1"/>
+            </a:fillRef>
+            <a:effectRef idx="0">
+              <a:schemeClr val="accent1"/>
+            </a:effectRef>
+            <a:fontRef idx="minor">
+              <a:schemeClr val="lt1"/>
+            </a:fontRef>
+          </p:style>
+          <p:txBody>
+            <a:bodyPr rtlCol="0" anchor="ctr"/>
+            <a:lstStyle/>
+            <a:p>
+              <a:pPr algn="ctr"/>
+              <a:endParaRPr lang="en-US"/>
+            </a:p>
+          </p:txBody>
+        </p:sp>
+        <p:pic>
+          <p:nvPicPr>
+            <p:cNvPr id="9" name="Image 8">
+              <a:extLst>
+                <a:ext uri="{FF2B5EF4-FFF2-40B4-BE49-F238E27FC236}">
+                  <a16:creationId xmlns:a16="http://schemas.microsoft.com/office/drawing/2014/main" id="{30A73DA6-0348-60EA-2079-E5C6E8BF2D83}"/>
+                </a:ext>
+              </a:extLst>
+            </p:cNvPr>
+            <p:cNvPicPr>
+              <a:picLocks noChangeAspect="1"/>
+            </p:cNvPicPr>
+            <p:nvPr/>
+          </p:nvPicPr>
+          <p:blipFill>
+            <a:blip r:embed="rId5">
+              <a:extLst>
+                <a:ext uri="{28A0092B-C50C-407E-A947-70E740481C1C}">
+                  <a14:useLocalDpi xmlns:a14="http://schemas.microsoft.com/office/drawing/2010/main" val="0"/>
+                </a:ext>
+              </a:extLst>
+            </a:blip>
+            <a:stretch>
+              <a:fillRect/>
+            </a:stretch>
+          </p:blipFill>
+          <p:spPr>
+            <a:xfrm>
+              <a:off x="33449" y="1359994"/>
+              <a:ext cx="3464906" cy="1159958"/>
+            </a:xfrm>
+            <a:prstGeom prst="rect">
+              <a:avLst/>
+            </a:prstGeom>
+          </p:spPr>
+        </p:pic>
+      </p:grpSp>
+      <p:sp>
+        <p:nvSpPr>
+          <p:cNvPr id="3" name="Rectangle 2">
             <a:extLst>
-              <a:ext uri="{28A0092B-C50C-407E-A947-70E740481C1C}">
-                <a14:useLocalDpi xmlns:a14="http://schemas.microsoft.com/office/drawing/2010/main" val="0"/>
+              <a:ext uri="{FF2B5EF4-FFF2-40B4-BE49-F238E27FC236}">
+                <a16:creationId xmlns:a16="http://schemas.microsoft.com/office/drawing/2014/main" id="{A27D71A1-9EE9-926C-DFD0-A22EA4501C93}"/>
               </a:ext>
             </a:extLst>
-          </a:blip>
-          <a:stretch>
-            <a:fillRect/>
-          </a:stretch>
-        </p:blipFill>
+          </p:cNvPr>
+          <p:cNvSpPr/>
+          <p:nvPr/>
+        </p:nvSpPr>
         <p:spPr>
           <a:xfrm>
-            <a:off x="33449" y="1359994"/>
-            <a:ext cx="3464906" cy="1159958"/>
+            <a:off x="-24245" y="0"/>
+            <a:ext cx="9144000" cy="5143500"/>
           </a:xfrm>
           <a:prstGeom prst="rect">
             <a:avLst/>
           </a:prstGeom>
         </p:spPr>
-      </p:pic>
+        <p:style>
+          <a:lnRef idx="2">
+            <a:schemeClr val="accent1">
+              <a:shade val="15000"/>
+            </a:schemeClr>
+          </a:lnRef>
+          <a:fillRef idx="1">
+            <a:schemeClr val="accent1"/>
+          </a:fillRef>
+          <a:effectRef idx="0">
+            <a:schemeClr val="accent1"/>
+          </a:effectRef>
+          <a:fontRef idx="minor">
+            <a:schemeClr val="lt1"/>
+          </a:fontRef>
+        </p:style>
+        <p:txBody>
+          <a:bodyPr rtlCol="0" anchor="ctr"/>
+          <a:lstStyle/>
+          <a:p>
+            <a:pPr algn="ctr"/>
+            <a:r>
+              <a:rPr lang="fr-FR" sz="13800" dirty="0"/>
+              <a:t>Bienvenue</a:t>
+            </a:r>
+            <a:endParaRPr lang="en-US" sz="13800" dirty="0"/>
+          </a:p>
+        </p:txBody>
+      </p:sp>
     </p:spTree>
     <p:extLst>
       <p:ext uri="{BB962C8B-B14F-4D97-AF65-F5344CB8AC3E}">
@@ -10530,6 +10724,579 @@
   <p:clrMapOvr>
     <a:masterClrMapping/>
   </p:clrMapOvr>
+  <mc:AlternateContent xmlns:mc="http://schemas.openxmlformats.org/markup-compatibility/2006" xmlns:p15="http://schemas.microsoft.com/office/powerpoint/2012/main">
+    <mc:Choice Requires="p15">
+      <p:transition xmlns:p14="http://schemas.microsoft.com/office/powerpoint/2010/main" spd="slow" p14:dur="6000">
+        <p15:prstTrans prst="curtains"/>
+      </p:transition>
+    </mc:Choice>
+    <mc:Fallback xmlns="">
+      <p:transition spd="slow">
+        <p:fade/>
+      </p:transition>
+    </mc:Fallback>
+  </mc:AlternateContent>
+  <p:timing>
+    <p:tnLst>
+      <p:par>
+        <p:cTn id="1" dur="indefinite" restart="never" nodeType="tmRoot">
+          <p:childTnLst>
+            <p:seq concurrent="1" nextAc="seek">
+              <p:cTn id="2" dur="indefinite" nodeType="mainSeq">
+                <p:childTnLst>
+                  <p:par>
+                    <p:cTn id="3" fill="hold">
+                      <p:stCondLst>
+                        <p:cond delay="indefinite"/>
+                      </p:stCondLst>
+                      <p:childTnLst>
+                        <p:par>
+                          <p:cTn id="4" fill="hold">
+                            <p:stCondLst>
+                              <p:cond delay="0"/>
+                            </p:stCondLst>
+                            <p:childTnLst>
+                              <p:par>
+                                <p:cTn id="5" presetID="21" presetClass="exit" presetSubtype="1" fill="hold" grpId="0" nodeType="clickEffect">
+                                  <p:stCondLst>
+                                    <p:cond delay="0"/>
+                                  </p:stCondLst>
+                                  <p:childTnLst>
+                                    <p:animEffect transition="out" filter="wheel(1)">
+                                      <p:cBhvr>
+                                        <p:cTn id="6" dur="2000"/>
+                                        <p:tgtEl>
+                                          <p:spTgt spid="3"/>
+                                        </p:tgtEl>
+                                      </p:cBhvr>
+                                    </p:animEffect>
+                                    <p:set>
+                                      <p:cBhvr>
+                                        <p:cTn id="7" dur="1" fill="hold">
+                                          <p:stCondLst>
+                                            <p:cond delay="1999"/>
+                                          </p:stCondLst>
+                                        </p:cTn>
+                                        <p:tgtEl>
+                                          <p:spTgt spid="3"/>
+                                        </p:tgtEl>
+                                        <p:attrNameLst>
+                                          <p:attrName>style.visibility</p:attrName>
+                                        </p:attrNameLst>
+                                      </p:cBhvr>
+                                      <p:to>
+                                        <p:strVal val="hidden"/>
+                                      </p:to>
+                                    </p:set>
+                                  </p:childTnLst>
+                                </p:cTn>
+                              </p:par>
+                            </p:childTnLst>
+                          </p:cTn>
+                        </p:par>
+                      </p:childTnLst>
+                    </p:cTn>
+                  </p:par>
+                  <p:par>
+                    <p:cTn id="8" fill="hold">
+                      <p:stCondLst>
+                        <p:cond delay="indefinite"/>
+                      </p:stCondLst>
+                      <p:childTnLst>
+                        <p:par>
+                          <p:cTn id="9" fill="hold">
+                            <p:stCondLst>
+                              <p:cond delay="0"/>
+                            </p:stCondLst>
+                            <p:childTnLst>
+                              <p:par>
+                                <p:cTn id="10" presetID="42" presetClass="entr" presetSubtype="0" fill="hold" grpId="0" nodeType="clickEffect">
+                                  <p:stCondLst>
+                                    <p:cond delay="0"/>
+                                  </p:stCondLst>
+                                  <p:childTnLst>
+                                    <p:set>
+                                      <p:cBhvr>
+                                        <p:cTn id="11" dur="1" fill="hold">
+                                          <p:stCondLst>
+                                            <p:cond delay="0"/>
+                                          </p:stCondLst>
+                                        </p:cTn>
+                                        <p:tgtEl>
+                                          <p:spTgt spid="2">
+                                            <p:txEl>
+                                              <p:pRg st="0" end="0"/>
+                                            </p:txEl>
+                                          </p:spTgt>
+                                        </p:tgtEl>
+                                        <p:attrNameLst>
+                                          <p:attrName>style.visibility</p:attrName>
+                                        </p:attrNameLst>
+                                      </p:cBhvr>
+                                      <p:to>
+                                        <p:strVal val="visible"/>
+                                      </p:to>
+                                    </p:set>
+                                    <p:animEffect transition="in" filter="fade">
+                                      <p:cBhvr>
+                                        <p:cTn id="12" dur="1000"/>
+                                        <p:tgtEl>
+                                          <p:spTgt spid="2">
+                                            <p:txEl>
+                                              <p:pRg st="0" end="0"/>
+                                            </p:txEl>
+                                          </p:spTgt>
+                                        </p:tgtEl>
+                                      </p:cBhvr>
+                                    </p:animEffect>
+                                    <p:anim calcmode="lin" valueType="num">
+                                      <p:cBhvr>
+                                        <p:cTn id="13" dur="1000" fill="hold"/>
+                                        <p:tgtEl>
+                                          <p:spTgt spid="2">
+                                            <p:txEl>
+                                              <p:pRg st="0" end="0"/>
+                                            </p:txEl>
+                                          </p:spTgt>
+                                        </p:tgtEl>
+                                        <p:attrNameLst>
+                                          <p:attrName>ppt_x</p:attrName>
+                                        </p:attrNameLst>
+                                      </p:cBhvr>
+                                      <p:tavLst>
+                                        <p:tav tm="0">
+                                          <p:val>
+                                            <p:strVal val="#ppt_x"/>
+                                          </p:val>
+                                        </p:tav>
+                                        <p:tav tm="100000">
+                                          <p:val>
+                                            <p:strVal val="#ppt_x"/>
+                                          </p:val>
+                                        </p:tav>
+                                      </p:tavLst>
+                                    </p:anim>
+                                    <p:anim calcmode="lin" valueType="num">
+                                      <p:cBhvr>
+                                        <p:cTn id="14" dur="1000" fill="hold"/>
+                                        <p:tgtEl>
+                                          <p:spTgt spid="2">
+                                            <p:txEl>
+                                              <p:pRg st="0" end="0"/>
+                                            </p:txEl>
+                                          </p:spTgt>
+                                        </p:tgtEl>
+                                        <p:attrNameLst>
+                                          <p:attrName>ppt_y</p:attrName>
+                                        </p:attrNameLst>
+                                      </p:cBhvr>
+                                      <p:tavLst>
+                                        <p:tav tm="0">
+                                          <p:val>
+                                            <p:strVal val="#ppt_y+.1"/>
+                                          </p:val>
+                                        </p:tav>
+                                        <p:tav tm="100000">
+                                          <p:val>
+                                            <p:strVal val="#ppt_y"/>
+                                          </p:val>
+                                        </p:tav>
+                                      </p:tavLst>
+                                    </p:anim>
+                                  </p:childTnLst>
+                                </p:cTn>
+                              </p:par>
+                            </p:childTnLst>
+                          </p:cTn>
+                        </p:par>
+                      </p:childTnLst>
+                    </p:cTn>
+                  </p:par>
+                  <p:par>
+                    <p:cTn id="15" fill="hold">
+                      <p:stCondLst>
+                        <p:cond delay="indefinite"/>
+                      </p:stCondLst>
+                      <p:childTnLst>
+                        <p:par>
+                          <p:cTn id="16" fill="hold">
+                            <p:stCondLst>
+                              <p:cond delay="0"/>
+                            </p:stCondLst>
+                            <p:childTnLst>
+                              <p:par>
+                                <p:cTn id="17" presetID="10" presetClass="entr" presetSubtype="0" fill="hold" nodeType="clickEffect">
+                                  <p:stCondLst>
+                                    <p:cond delay="0"/>
+                                  </p:stCondLst>
+                                  <p:childTnLst>
+                                    <p:set>
+                                      <p:cBhvr>
+                                        <p:cTn id="18" dur="1" fill="hold">
+                                          <p:stCondLst>
+                                            <p:cond delay="0"/>
+                                          </p:stCondLst>
+                                        </p:cTn>
+                                        <p:tgtEl>
+                                          <p:spTgt spid="4"/>
+                                        </p:tgtEl>
+                                        <p:attrNameLst>
+                                          <p:attrName>style.visibility</p:attrName>
+                                        </p:attrNameLst>
+                                      </p:cBhvr>
+                                      <p:to>
+                                        <p:strVal val="visible"/>
+                                      </p:to>
+                                    </p:set>
+                                    <p:animEffect transition="in" filter="fade">
+                                      <p:cBhvr>
+                                        <p:cTn id="19" dur="500"/>
+                                        <p:tgtEl>
+                                          <p:spTgt spid="4"/>
+                                        </p:tgtEl>
+                                      </p:cBhvr>
+                                    </p:animEffect>
+                                  </p:childTnLst>
+                                </p:cTn>
+                              </p:par>
+                            </p:childTnLst>
+                          </p:cTn>
+                        </p:par>
+                      </p:childTnLst>
+                    </p:cTn>
+                  </p:par>
+                  <p:par>
+                    <p:cTn id="20" fill="hold">
+                      <p:stCondLst>
+                        <p:cond delay="indefinite"/>
+                      </p:stCondLst>
+                      <p:childTnLst>
+                        <p:par>
+                          <p:cTn id="21" fill="hold">
+                            <p:stCondLst>
+                              <p:cond delay="0"/>
+                            </p:stCondLst>
+                            <p:childTnLst>
+                              <p:par>
+                                <p:cTn id="22" presetID="42" presetClass="entr" presetSubtype="0" fill="hold" nodeType="clickEffect">
+                                  <p:stCondLst>
+                                    <p:cond delay="0"/>
+                                  </p:stCondLst>
+                                  <p:childTnLst>
+                                    <p:set>
+                                      <p:cBhvr>
+                                        <p:cTn id="23" dur="1" fill="hold">
+                                          <p:stCondLst>
+                                            <p:cond delay="0"/>
+                                          </p:stCondLst>
+                                        </p:cTn>
+                                        <p:tgtEl>
+                                          <p:spTgt spid="8"/>
+                                        </p:tgtEl>
+                                        <p:attrNameLst>
+                                          <p:attrName>style.visibility</p:attrName>
+                                        </p:attrNameLst>
+                                      </p:cBhvr>
+                                      <p:to>
+                                        <p:strVal val="visible"/>
+                                      </p:to>
+                                    </p:set>
+                                    <p:animEffect transition="in" filter="fade">
+                                      <p:cBhvr>
+                                        <p:cTn id="24" dur="1000"/>
+                                        <p:tgtEl>
+                                          <p:spTgt spid="8"/>
+                                        </p:tgtEl>
+                                      </p:cBhvr>
+                                    </p:animEffect>
+                                    <p:anim calcmode="lin" valueType="num">
+                                      <p:cBhvr>
+                                        <p:cTn id="25" dur="1000" fill="hold"/>
+                                        <p:tgtEl>
+                                          <p:spTgt spid="8"/>
+                                        </p:tgtEl>
+                                        <p:attrNameLst>
+                                          <p:attrName>ppt_x</p:attrName>
+                                        </p:attrNameLst>
+                                      </p:cBhvr>
+                                      <p:tavLst>
+                                        <p:tav tm="0">
+                                          <p:val>
+                                            <p:strVal val="#ppt_x"/>
+                                          </p:val>
+                                        </p:tav>
+                                        <p:tav tm="100000">
+                                          <p:val>
+                                            <p:strVal val="#ppt_x"/>
+                                          </p:val>
+                                        </p:tav>
+                                      </p:tavLst>
+                                    </p:anim>
+                                    <p:anim calcmode="lin" valueType="num">
+                                      <p:cBhvr>
+                                        <p:cTn id="26" dur="1000" fill="hold"/>
+                                        <p:tgtEl>
+                                          <p:spTgt spid="8"/>
+                                        </p:tgtEl>
+                                        <p:attrNameLst>
+                                          <p:attrName>ppt_y</p:attrName>
+                                        </p:attrNameLst>
+                                      </p:cBhvr>
+                                      <p:tavLst>
+                                        <p:tav tm="0">
+                                          <p:val>
+                                            <p:strVal val="#ppt_y+.1"/>
+                                          </p:val>
+                                        </p:tav>
+                                        <p:tav tm="100000">
+                                          <p:val>
+                                            <p:strVal val="#ppt_y"/>
+                                          </p:val>
+                                        </p:tav>
+                                      </p:tavLst>
+                                    </p:anim>
+                                  </p:childTnLst>
+                                </p:cTn>
+                              </p:par>
+                            </p:childTnLst>
+                          </p:cTn>
+                        </p:par>
+                      </p:childTnLst>
+                    </p:cTn>
+                  </p:par>
+                  <p:par>
+                    <p:cTn id="27" fill="hold">
+                      <p:stCondLst>
+                        <p:cond delay="indefinite"/>
+                      </p:stCondLst>
+                      <p:childTnLst>
+                        <p:par>
+                          <p:cTn id="28" fill="hold">
+                            <p:stCondLst>
+                              <p:cond delay="0"/>
+                            </p:stCondLst>
+                            <p:childTnLst>
+                              <p:par>
+                                <p:cTn id="29" presetID="16" presetClass="entr" presetSubtype="21" fill="hold" grpId="0" nodeType="clickEffect">
+                                  <p:stCondLst>
+                                    <p:cond delay="0"/>
+                                  </p:stCondLst>
+                                  <p:childTnLst>
+                                    <p:set>
+                                      <p:cBhvr>
+                                        <p:cTn id="30" dur="1" fill="hold">
+                                          <p:stCondLst>
+                                            <p:cond delay="0"/>
+                                          </p:stCondLst>
+                                        </p:cTn>
+                                        <p:tgtEl>
+                                          <p:spTgt spid="6"/>
+                                        </p:tgtEl>
+                                        <p:attrNameLst>
+                                          <p:attrName>style.visibility</p:attrName>
+                                        </p:attrNameLst>
+                                      </p:cBhvr>
+                                      <p:to>
+                                        <p:strVal val="visible"/>
+                                      </p:to>
+                                    </p:set>
+                                    <p:animEffect transition="in" filter="barn(inVertical)">
+                                      <p:cBhvr>
+                                        <p:cTn id="31" dur="500"/>
+                                        <p:tgtEl>
+                                          <p:spTgt spid="6"/>
+                                        </p:tgtEl>
+                                      </p:cBhvr>
+                                    </p:animEffect>
+                                  </p:childTnLst>
+                                </p:cTn>
+                              </p:par>
+                            </p:childTnLst>
+                          </p:cTn>
+                        </p:par>
+                      </p:childTnLst>
+                    </p:cTn>
+                  </p:par>
+                  <p:par>
+                    <p:cTn id="32" fill="hold">
+                      <p:stCondLst>
+                        <p:cond delay="indefinite"/>
+                      </p:stCondLst>
+                      <p:childTnLst>
+                        <p:par>
+                          <p:cTn id="33" fill="hold">
+                            <p:stCondLst>
+                              <p:cond delay="0"/>
+                            </p:stCondLst>
+                            <p:childTnLst>
+                              <p:par>
+                                <p:cTn id="34" presetID="45" presetClass="entr" presetSubtype="0" fill="hold" nodeType="clickEffect">
+                                  <p:stCondLst>
+                                    <p:cond delay="0"/>
+                                  </p:stCondLst>
+                                  <p:childTnLst>
+                                    <p:set>
+                                      <p:cBhvr>
+                                        <p:cTn id="35" dur="1" fill="hold">
+                                          <p:stCondLst>
+                                            <p:cond delay="0"/>
+                                          </p:stCondLst>
+                                        </p:cTn>
+                                        <p:tgtEl>
+                                          <p:spTgt spid="5"/>
+                                        </p:tgtEl>
+                                        <p:attrNameLst>
+                                          <p:attrName>style.visibility</p:attrName>
+                                        </p:attrNameLst>
+                                      </p:cBhvr>
+                                      <p:to>
+                                        <p:strVal val="visible"/>
+                                      </p:to>
+                                    </p:set>
+                                    <p:animEffect transition="in" filter="fade">
+                                      <p:cBhvr>
+                                        <p:cTn id="36" dur="2000"/>
+                                        <p:tgtEl>
+                                          <p:spTgt spid="5"/>
+                                        </p:tgtEl>
+                                      </p:cBhvr>
+                                    </p:animEffect>
+                                    <p:anim calcmode="lin" valueType="num">
+                                      <p:cBhvr>
+                                        <p:cTn id="37" dur="2000" fill="hold"/>
+                                        <p:tgtEl>
+                                          <p:spTgt spid="5"/>
+                                        </p:tgtEl>
+                                        <p:attrNameLst>
+                                          <p:attrName>ppt_w</p:attrName>
+                                        </p:attrNameLst>
+                                      </p:cBhvr>
+                                      <p:tavLst>
+                                        <p:tav tm="0" fmla="#ppt_w*sin(2.5*pi*$)">
+                                          <p:val>
+                                            <p:fltVal val="0"/>
+                                          </p:val>
+                                        </p:tav>
+                                        <p:tav tm="100000">
+                                          <p:val>
+                                            <p:fltVal val="1"/>
+                                          </p:val>
+                                        </p:tav>
+                                      </p:tavLst>
+                                    </p:anim>
+                                    <p:anim calcmode="lin" valueType="num">
+                                      <p:cBhvr>
+                                        <p:cTn id="38" dur="2000" fill="hold"/>
+                                        <p:tgtEl>
+                                          <p:spTgt spid="5"/>
+                                        </p:tgtEl>
+                                        <p:attrNameLst>
+                                          <p:attrName>ppt_h</p:attrName>
+                                        </p:attrNameLst>
+                                      </p:cBhvr>
+                                      <p:tavLst>
+                                        <p:tav tm="0">
+                                          <p:val>
+                                            <p:strVal val="#ppt_h"/>
+                                          </p:val>
+                                        </p:tav>
+                                        <p:tav tm="100000">
+                                          <p:val>
+                                            <p:strVal val="#ppt_h"/>
+                                          </p:val>
+                                        </p:tav>
+                                      </p:tavLst>
+                                    </p:anim>
+                                  </p:childTnLst>
+                                </p:cTn>
+                              </p:par>
+                            </p:childTnLst>
+                          </p:cTn>
+                        </p:par>
+                      </p:childTnLst>
+                    </p:cTn>
+                  </p:par>
+                  <p:par>
+                    <p:cTn id="39" fill="hold">
+                      <p:stCondLst>
+                        <p:cond delay="indefinite"/>
+                      </p:stCondLst>
+                      <p:childTnLst>
+                        <p:par>
+                          <p:cTn id="40" fill="hold">
+                            <p:stCondLst>
+                              <p:cond delay="0"/>
+                            </p:stCondLst>
+                            <p:childTnLst>
+                              <p:par>
+                                <p:cTn id="41" presetID="10" presetClass="entr" presetSubtype="0" fill="hold" grpId="0" nodeType="clickEffect">
+                                  <p:stCondLst>
+                                    <p:cond delay="0"/>
+                                  </p:stCondLst>
+                                  <p:childTnLst>
+                                    <p:set>
+                                      <p:cBhvr>
+                                        <p:cTn id="42" dur="1" fill="hold">
+                                          <p:stCondLst>
+                                            <p:cond delay="0"/>
+                                          </p:stCondLst>
+                                        </p:cTn>
+                                        <p:tgtEl>
+                                          <p:spTgt spid="7"/>
+                                        </p:tgtEl>
+                                        <p:attrNameLst>
+                                          <p:attrName>style.visibility</p:attrName>
+                                        </p:attrNameLst>
+                                      </p:cBhvr>
+                                      <p:to>
+                                        <p:strVal val="visible"/>
+                                      </p:to>
+                                    </p:set>
+                                    <p:animEffect transition="in" filter="fade">
+                                      <p:cBhvr>
+                                        <p:cTn id="43" dur="500"/>
+                                        <p:tgtEl>
+                                          <p:spTgt spid="7"/>
+                                        </p:tgtEl>
+                                      </p:cBhvr>
+                                    </p:animEffect>
+                                  </p:childTnLst>
+                                </p:cTn>
+                              </p:par>
+                            </p:childTnLst>
+                          </p:cTn>
+                        </p:par>
+                      </p:childTnLst>
+                    </p:cTn>
+                  </p:par>
+                </p:childTnLst>
+              </p:cTn>
+              <p:prevCondLst>
+                <p:cond evt="onPrev" delay="0">
+                  <p:tgtEl>
+                    <p:sldTgt/>
+                  </p:tgtEl>
+                </p:cond>
+              </p:prevCondLst>
+              <p:nextCondLst>
+                <p:cond evt="onNext" delay="0">
+                  <p:tgtEl>
+                    <p:sldTgt/>
+                  </p:tgtEl>
+                </p:cond>
+              </p:nextCondLst>
+            </p:seq>
+          </p:childTnLst>
+        </p:cTn>
+      </p:par>
+    </p:tnLst>
+    <p:bldLst>
+      <p:bldP spid="2" grpId="0" build="p"/>
+      <p:bldP spid="6" grpId="0"/>
+      <p:bldP spid="7" grpId="0"/>
+      <p:bldP spid="3" grpId="0" animBg="1"/>
+    </p:bldLst>
+  </p:timing>
 </p:sld>
 </file>
 
@@ -10763,6 +11530,9 @@
   <p:clrMapOvr>
     <a:masterClrMapping/>
   </p:clrMapOvr>
+  <p:transition spd="slow">
+    <p:wipe/>
+  </p:transition>
 </p:sld>
 </file>
 
@@ -11012,6 +11782,9 @@
   <p:clrMapOvr>
     <a:masterClrMapping/>
   </p:clrMapOvr>
+  <p:transition spd="slow">
+    <p:wipe/>
+  </p:transition>
 </p:sld>
 </file>
 
@@ -11150,6 +11923,9 @@
   <p:clrMapOvr>
     <a:masterClrMapping/>
   </p:clrMapOvr>
+  <p:transition spd="slow">
+    <p:wipe/>
+  </p:transition>
 </p:sld>
 </file>
 
@@ -11275,6 +12051,9 @@
   <p:clrMapOvr>
     <a:masterClrMapping/>
   </p:clrMapOvr>
+  <p:transition spd="med">
+    <p:pull/>
+  </p:transition>
 </p:sld>
 </file>
 
@@ -11360,7 +12139,26 @@
                 <a:effectLst/>
                 <a:latin typeface="Times New Roman" panose="02020603050405020304" pitchFamily="18" charset="0"/>
               </a:rPr>
-              <a:t>Notre objectif principal était de créer une plateforme conviviale qui permet aux utilisateurs de </a:t>
+              <a:t>Notre objectif principal </a:t>
+            </a:r>
+            <a:r>
+              <a:rPr lang="fr-FR" dirty="0">
+                <a:solidFill>
+                  <a:srgbClr val="000000"/>
+                </a:solidFill>
+                <a:latin typeface="Times New Roman" panose="02020603050405020304" pitchFamily="18" charset="0"/>
+              </a:rPr>
+              <a:t>est </a:t>
+            </a:r>
+            <a:r>
+              <a:rPr lang="fr-FR" b="0" i="0" dirty="0">
+                <a:solidFill>
+                  <a:srgbClr val="000000"/>
+                </a:solidFill>
+                <a:effectLst/>
+                <a:latin typeface="Times New Roman" panose="02020603050405020304" pitchFamily="18" charset="0"/>
+              </a:rPr>
+              <a:t>de créer une plateforme conviviale qui permet aux utilisateurs de </a:t>
             </a:r>
           </a:p>
           <a:p>
@@ -11401,6 +12199,9 @@
   <p:clrMapOvr>
     <a:masterClrMapping/>
   </p:clrMapOvr>
+  <p:transition spd="med">
+    <p:pull/>
+  </p:transition>
 </p:sld>
 </file>
 
@@ -11540,6 +12341,9 @@
   <p:clrMapOvr>
     <a:masterClrMapping/>
   </p:clrMapOvr>
+  <p:transition spd="med">
+    <p:pull/>
+  </p:transition>
 </p:sld>
 </file>
 
